--- a/Pr-sentation/Präsi Tim Abschluss.pptx
+++ b/Pr-sentation/Präsi Tim Abschluss.pptx
@@ -30911,7 +30911,26 @@
             </a:pPr>
             <a:r>
               <a:rPr lang="de-DE" dirty="0" smtClean="0"/>
-              <a:t>Testergebnisse aus der Testphase analysiert</a:t>
+              <a:t>Qualitätssicherung mit Soll/ Ist </a:t>
+            </a:r>
+            <a:r>
+              <a:rPr lang="de-DE" smtClean="0"/>
+              <a:t>Vergleich  der Funktinalität</a:t>
+            </a:r>
+            <a:endParaRPr lang="de-DE" dirty="0" smtClean="0"/>
+          </a:p>
+          <a:p>
+            <a:pPr>
+              <a:buFont typeface="Wingdings" panose="05000000000000000000" pitchFamily="2" charset="2"/>
+              <a:buChar char="Ø"/>
+            </a:pPr>
+            <a:r>
+              <a:rPr lang="de-DE" dirty="0" smtClean="0"/>
+              <a:t>Testergebnisse </a:t>
+            </a:r>
+            <a:r>
+              <a:rPr lang="de-DE" dirty="0" smtClean="0"/>
+              <a:t>aus der Testphase analysiert</a:t>
             </a:r>
             <a:br>
               <a:rPr lang="de-DE" dirty="0" smtClean="0"/>

--- a/Pr-sentation/Präsi Tim Abschluss.pptx
+++ b/Pr-sentation/Präsi Tim Abschluss.pptx
@@ -30911,11 +30911,15 @@
             </a:pPr>
             <a:r>
               <a:rPr lang="de-DE" dirty="0" smtClean="0"/>
-              <a:t>Qualitätssicherung mit Soll/ Ist </a:t>
+              <a:t>Qualitätssicherung mit Soll/ Ist Vergleich  </a:t>
             </a:r>
             <a:r>
               <a:rPr lang="de-DE" smtClean="0"/>
-              <a:t>Vergleich  der Funktinalität</a:t>
+              <a:t>der </a:t>
+            </a:r>
+            <a:r>
+              <a:rPr lang="de-DE" smtClean="0"/>
+              <a:t>Funktionalität</a:t>
             </a:r>
             <a:endParaRPr lang="de-DE" dirty="0" smtClean="0"/>
           </a:p>
@@ -30926,11 +30930,7 @@
             </a:pPr>
             <a:r>
               <a:rPr lang="de-DE" dirty="0" smtClean="0"/>
-              <a:t>Testergebnisse </a:t>
-            </a:r>
-            <a:r>
-              <a:rPr lang="de-DE" dirty="0" smtClean="0"/>
-              <a:t>aus der Testphase analysiert</a:t>
+              <a:t>Testergebnisse aus der Testphase analysiert</a:t>
             </a:r>
             <a:br>
               <a:rPr lang="de-DE" dirty="0" smtClean="0"/>

--- a/Pr-sentation/Präsi Tim Abschluss.pptx
+++ b/Pr-sentation/Präsi Tim Abschluss.pptx
@@ -29650,7 +29650,7 @@
             <p:ph sz="half" idx="1"/>
             <p:extLst>
               <p:ext uri="{D42A27DB-BD31-4B8C-83A1-F6EECF244321}">
-                <p14:modId xmlns:p14="http://schemas.microsoft.com/office/powerpoint/2010/main" val="4096214090"/>
+                <p14:modId xmlns:p14="http://schemas.microsoft.com/office/powerpoint/2010/main" val="3303485508"/>
               </p:ext>
             </p:extLst>
           </p:nvPr>
@@ -29723,6 +29723,16 @@
                     <a:p>
                       <a:pPr algn="ctr" fontAlgn="b"/>
                       <a:r>
+                        <a:rPr lang="de-DE" sz="1600" b="0" i="0" u="none" strike="noStrike" dirty="0" smtClean="0">
+                          <a:solidFill>
+                            <a:srgbClr val="000000"/>
+                          </a:solidFill>
+                          <a:effectLst/>
+                          <a:latin typeface="Calibri" panose="020F0502020204030204" pitchFamily="34" charset="0"/>
+                        </a:rPr>
+                        <a:t>Dauer SOLL</a:t>
+                      </a:r>
+                      <a:r>
                         <a:rPr lang="de-DE" sz="1600" b="0" i="0" u="none" strike="noStrike" dirty="0">
                           <a:solidFill>
                             <a:srgbClr val="000000"/>
@@ -29743,15 +29753,22 @@
                     <a:p>
                       <a:pPr algn="ctr" fontAlgn="b"/>
                       <a:r>
-                        <a:rPr lang="de-DE" sz="1600" b="0" i="0" u="none" strike="noStrike">
+                        <a:rPr lang="de-DE" sz="1600" b="0" i="0" u="none" strike="noStrike" dirty="0" smtClean="0">
                           <a:solidFill>
                             <a:srgbClr val="000000"/>
                           </a:solidFill>
                           <a:effectLst/>
                           <a:latin typeface="Calibri" panose="020F0502020204030204" pitchFamily="34" charset="0"/>
                         </a:rPr>
-                        <a:t> </a:t>
+                        <a:t>Dauer IST</a:t>
                       </a:r>
+                      <a:endParaRPr lang="de-DE" sz="1600" b="0" i="0" u="none" strike="noStrike" dirty="0">
+                        <a:solidFill>
+                          <a:srgbClr val="000000"/>
+                        </a:solidFill>
+                        <a:effectLst/>
+                        <a:latin typeface="Calibri" panose="020F0502020204030204" pitchFamily="34" charset="0"/>
+                      </a:endParaRPr>
                     </a:p>
                   </a:txBody>
                   <a:tcPr marL="9525" marR="9525" marT="9525" marB="0" anchor="b"/>
@@ -29763,15 +29780,22 @@
                     <a:p>
                       <a:pPr algn="ctr" fontAlgn="b"/>
                       <a:r>
-                        <a:rPr lang="de-DE" sz="1600" b="0" i="0" u="none" strike="noStrike">
+                        <a:rPr lang="de-DE" sz="1600" b="0" i="0" u="none" strike="noStrike" smtClean="0">
                           <a:solidFill>
                             <a:srgbClr val="000000"/>
                           </a:solidFill>
                           <a:effectLst/>
                           <a:latin typeface="Calibri" panose="020F0502020204030204" pitchFamily="34" charset="0"/>
                         </a:rPr>
-                        <a:t> </a:t>
+                        <a:t>Differenz</a:t>
                       </a:r>
+                      <a:endParaRPr lang="de-DE" sz="1600" b="0" i="0" u="none" strike="noStrike" dirty="0">
+                        <a:solidFill>
+                          <a:srgbClr val="000000"/>
+                        </a:solidFill>
+                        <a:effectLst/>
+                        <a:latin typeface="Calibri" panose="020F0502020204030204" pitchFamily="34" charset="0"/>
+                      </a:endParaRPr>
                     </a:p>
                   </a:txBody>
                   <a:tcPr marL="9525" marR="9525" marT="9525" marB="0" anchor="b"/>
@@ -30915,11 +30939,7 @@
             </a:r>
             <a:r>
               <a:rPr lang="de-DE" smtClean="0"/>
-              <a:t>der </a:t>
-            </a:r>
-            <a:r>
-              <a:rPr lang="de-DE" smtClean="0"/>
-              <a:t>Funktionalität</a:t>
+              <a:t>der Funktionalität</a:t>
             </a:r>
             <a:endParaRPr lang="de-DE" dirty="0" smtClean="0"/>
           </a:p>

--- a/Pr-sentation/Präsi Tim Abschluss.pptx
+++ b/Pr-sentation/Präsi Tim Abschluss.pptx
@@ -8290,7 +8290,7 @@
   <dgm:whole/>
   <dgm:extLst>
     <a:ext uri="http://schemas.microsoft.com/office/drawing/2008/diagram">
-      <dsp:dataModelExt xmlns:dsp="http://schemas.microsoft.com/office/drawing/2008/diagram" relId="rId6" minVer="http://schemas.openxmlformats.org/drawingml/2006/diagram"/>
+      <dsp:dataModelExt xmlns:dsp="http://schemas.microsoft.com/office/drawing/2008/diagram" relId="rId7" minVer="http://schemas.openxmlformats.org/drawingml/2006/diagram"/>
     </a:ext>
   </dgm:extLst>
 </dgm:dataModel>
@@ -8580,7 +8580,7 @@
   <dgm:whole/>
   <dgm:extLst>
     <a:ext uri="http://schemas.microsoft.com/office/drawing/2008/diagram">
-      <dsp:dataModelExt xmlns:dsp="http://schemas.microsoft.com/office/drawing/2008/diagram" relId="rId6" minVer="http://schemas.openxmlformats.org/drawingml/2006/diagram"/>
+      <dsp:dataModelExt xmlns:dsp="http://schemas.microsoft.com/office/drawing/2008/diagram" relId="rId7" minVer="http://schemas.openxmlformats.org/drawingml/2006/diagram"/>
     </a:ext>
   </dgm:extLst>
 </dgm:dataModel>
@@ -9160,7 +9160,7 @@
   <dgm:whole/>
   <dgm:extLst>
     <a:ext uri="http://schemas.microsoft.com/office/drawing/2008/diagram">
-      <dsp:dataModelExt xmlns:dsp="http://schemas.microsoft.com/office/drawing/2008/diagram" relId="rId6" minVer="http://schemas.openxmlformats.org/drawingml/2006/diagram"/>
+      <dsp:dataModelExt xmlns:dsp="http://schemas.microsoft.com/office/drawing/2008/diagram" relId="rId7" minVer="http://schemas.openxmlformats.org/drawingml/2006/diagram"/>
     </a:ext>
   </dgm:extLst>
 </dgm:dataModel>
@@ -24322,6 +24322,316 @@
 </p:notesMaster>
 </file>
 
+<file path=ppt/notesSlides/notesSlide1.xml><?xml version="1.0" encoding="utf-8"?>
+<p:notes xmlns:a="http://schemas.openxmlformats.org/drawingml/2006/main" xmlns:r="http://schemas.openxmlformats.org/officeDocument/2006/relationships" xmlns:p="http://schemas.openxmlformats.org/presentationml/2006/main">
+  <p:cSld>
+    <p:spTree>
+      <p:nvGrpSpPr>
+        <p:cNvPr id="1" name=""/>
+        <p:cNvGrpSpPr/>
+        <p:nvPr/>
+      </p:nvGrpSpPr>
+      <p:grpSpPr>
+        <a:xfrm>
+          <a:off x="0" y="0"/>
+          <a:ext cx="0" cy="0"/>
+          <a:chOff x="0" y="0"/>
+          <a:chExt cx="0" cy="0"/>
+        </a:xfrm>
+      </p:grpSpPr>
+      <p:sp>
+        <p:nvSpPr>
+          <p:cNvPr id="2" name="Folienbildplatzhalter 1"/>
+          <p:cNvSpPr>
+            <a:spLocks noGrp="1" noRot="1" noChangeAspect="1"/>
+          </p:cNvSpPr>
+          <p:nvPr>
+            <p:ph type="sldImg"/>
+          </p:nvPr>
+        </p:nvSpPr>
+        <p:spPr/>
+      </p:sp>
+      <p:sp>
+        <p:nvSpPr>
+          <p:cNvPr id="3" name="Notizenplatzhalter 2"/>
+          <p:cNvSpPr>
+            <a:spLocks noGrp="1"/>
+          </p:cNvSpPr>
+          <p:nvPr>
+            <p:ph type="body" idx="1"/>
+          </p:nvPr>
+        </p:nvSpPr>
+        <p:spPr/>
+        <p:txBody>
+          <a:bodyPr/>
+          <a:lstStyle/>
+          <a:p>
+            <a:r>
+              <a:rPr lang="de-DE" dirty="0" smtClean="0"/>
+              <a:t>Aus dem Pflichtenheft</a:t>
+            </a:r>
+            <a:r>
+              <a:rPr lang="de-DE" baseline="0" dirty="0" smtClean="0"/>
+              <a:t> erstellt</a:t>
+            </a:r>
+            <a:endParaRPr lang="de-DE" dirty="0"/>
+          </a:p>
+        </p:txBody>
+      </p:sp>
+      <p:sp>
+        <p:nvSpPr>
+          <p:cNvPr id="4" name="Foliennummernplatzhalter 3"/>
+          <p:cNvSpPr>
+            <a:spLocks noGrp="1"/>
+          </p:cNvSpPr>
+          <p:nvPr>
+            <p:ph type="sldNum" sz="quarter" idx="10"/>
+          </p:nvPr>
+        </p:nvSpPr>
+        <p:spPr/>
+        <p:txBody>
+          <a:bodyPr/>
+          <a:lstStyle/>
+          <a:p>
+            <a:fld id="{8B3C513D-B928-40E6-962B-43A1627C0290}" type="slidenum">
+              <a:rPr lang="de-DE" smtClean="0"/>
+              <a:t>5</a:t>
+            </a:fld>
+            <a:endParaRPr lang="de-DE"/>
+          </a:p>
+        </p:txBody>
+      </p:sp>
+    </p:spTree>
+    <p:extLst>
+      <p:ext uri="{BB962C8B-B14F-4D97-AF65-F5344CB8AC3E}">
+        <p14:creationId xmlns:p14="http://schemas.microsoft.com/office/powerpoint/2010/main" val="3943741877"/>
+      </p:ext>
+    </p:extLst>
+  </p:cSld>
+  <p:clrMapOvr>
+    <a:masterClrMapping/>
+  </p:clrMapOvr>
+</p:notes>
+</file>
+
+<file path=ppt/notesSlides/notesSlide2.xml><?xml version="1.0" encoding="utf-8"?>
+<p:notes xmlns:a="http://schemas.openxmlformats.org/drawingml/2006/main" xmlns:r="http://schemas.openxmlformats.org/officeDocument/2006/relationships" xmlns:p="http://schemas.openxmlformats.org/presentationml/2006/main">
+  <p:cSld>
+    <p:spTree>
+      <p:nvGrpSpPr>
+        <p:cNvPr id="1" name=""/>
+        <p:cNvGrpSpPr/>
+        <p:nvPr/>
+      </p:nvGrpSpPr>
+      <p:grpSpPr>
+        <a:xfrm>
+          <a:off x="0" y="0"/>
+          <a:ext cx="0" cy="0"/>
+          <a:chOff x="0" y="0"/>
+          <a:chExt cx="0" cy="0"/>
+        </a:xfrm>
+      </p:grpSpPr>
+      <p:sp>
+        <p:nvSpPr>
+          <p:cNvPr id="2" name="Folienbildplatzhalter 1"/>
+          <p:cNvSpPr>
+            <a:spLocks noGrp="1" noRot="1" noChangeAspect="1"/>
+          </p:cNvSpPr>
+          <p:nvPr>
+            <p:ph type="sldImg"/>
+          </p:nvPr>
+        </p:nvSpPr>
+        <p:spPr/>
+      </p:sp>
+      <p:sp>
+        <p:nvSpPr>
+          <p:cNvPr id="3" name="Notizenplatzhalter 2"/>
+          <p:cNvSpPr>
+            <a:spLocks noGrp="1"/>
+          </p:cNvSpPr>
+          <p:nvPr>
+            <p:ph type="body" idx="1"/>
+          </p:nvPr>
+        </p:nvSpPr>
+        <p:spPr/>
+        <p:txBody>
+          <a:bodyPr/>
+          <a:lstStyle/>
+          <a:p>
+            <a:pPr>
+              <a:buFont typeface="Wingdings" panose="05000000000000000000" pitchFamily="2" charset="2"/>
+              <a:buChar char="Ø"/>
+            </a:pPr>
+            <a:r>
+              <a:rPr lang="de-DE" dirty="0" smtClean="0"/>
+              <a:t>Messfehler, da Sprachqualität OK</a:t>
+            </a:r>
+          </a:p>
+          <a:p>
+            <a:pPr>
+              <a:buFont typeface="Wingdings" panose="05000000000000000000" pitchFamily="2" charset="2"/>
+              <a:buChar char="Ø"/>
+            </a:pPr>
+            <a:endParaRPr lang="de-DE" dirty="0" smtClean="0"/>
+          </a:p>
+          <a:p>
+            <a:pPr>
+              <a:buFont typeface="Wingdings" panose="05000000000000000000" pitchFamily="2" charset="2"/>
+              <a:buChar char="Ø"/>
+            </a:pPr>
+            <a:r>
+              <a:rPr lang="de-DE" dirty="0" smtClean="0"/>
+              <a:t>Keine Zeit für weiteres Nachforschen</a:t>
+            </a:r>
+          </a:p>
+          <a:p>
+            <a:endParaRPr lang="de-DE" dirty="0"/>
+          </a:p>
+        </p:txBody>
+      </p:sp>
+      <p:sp>
+        <p:nvSpPr>
+          <p:cNvPr id="4" name="Foliennummernplatzhalter 3"/>
+          <p:cNvSpPr>
+            <a:spLocks noGrp="1"/>
+          </p:cNvSpPr>
+          <p:nvPr>
+            <p:ph type="sldNum" sz="quarter" idx="10"/>
+          </p:nvPr>
+        </p:nvSpPr>
+        <p:spPr/>
+        <p:txBody>
+          <a:bodyPr/>
+          <a:lstStyle/>
+          <a:p>
+            <a:fld id="{8B3C513D-B928-40E6-962B-43A1627C0290}" type="slidenum">
+              <a:rPr lang="de-DE" smtClean="0"/>
+              <a:t>6</a:t>
+            </a:fld>
+            <a:endParaRPr lang="de-DE"/>
+          </a:p>
+        </p:txBody>
+      </p:sp>
+    </p:spTree>
+    <p:extLst>
+      <p:ext uri="{BB962C8B-B14F-4D97-AF65-F5344CB8AC3E}">
+        <p14:creationId xmlns:p14="http://schemas.microsoft.com/office/powerpoint/2010/main" val="2738623177"/>
+      </p:ext>
+    </p:extLst>
+  </p:cSld>
+  <p:clrMapOvr>
+    <a:masterClrMapping/>
+  </p:clrMapOvr>
+</p:notes>
+</file>
+
+<file path=ppt/notesSlides/notesSlide3.xml><?xml version="1.0" encoding="utf-8"?>
+<p:notes xmlns:a="http://schemas.openxmlformats.org/drawingml/2006/main" xmlns:r="http://schemas.openxmlformats.org/officeDocument/2006/relationships" xmlns:p="http://schemas.openxmlformats.org/presentationml/2006/main">
+  <p:cSld>
+    <p:spTree>
+      <p:nvGrpSpPr>
+        <p:cNvPr id="1" name=""/>
+        <p:cNvGrpSpPr/>
+        <p:nvPr/>
+      </p:nvGrpSpPr>
+      <p:grpSpPr>
+        <a:xfrm>
+          <a:off x="0" y="0"/>
+          <a:ext cx="0" cy="0"/>
+          <a:chOff x="0" y="0"/>
+          <a:chExt cx="0" cy="0"/>
+        </a:xfrm>
+      </p:grpSpPr>
+      <p:sp>
+        <p:nvSpPr>
+          <p:cNvPr id="2" name="Folienbildplatzhalter 1"/>
+          <p:cNvSpPr>
+            <a:spLocks noGrp="1" noRot="1" noChangeAspect="1"/>
+          </p:cNvSpPr>
+          <p:nvPr>
+            <p:ph type="sldImg"/>
+          </p:nvPr>
+        </p:nvSpPr>
+        <p:spPr/>
+      </p:sp>
+      <p:sp>
+        <p:nvSpPr>
+          <p:cNvPr id="3" name="Notizenplatzhalter 2"/>
+          <p:cNvSpPr>
+            <a:spLocks noGrp="1"/>
+          </p:cNvSpPr>
+          <p:nvPr>
+            <p:ph type="body" idx="1"/>
+          </p:nvPr>
+        </p:nvSpPr>
+        <p:spPr/>
+        <p:txBody>
+          <a:bodyPr/>
+          <a:lstStyle/>
+          <a:p>
+            <a:pPr marL="0" marR="0" indent="0" algn="l" defTabSz="914400" rtl="0" eaLnBrk="1" fontAlgn="auto" latinLnBrk="0" hangingPunct="1">
+              <a:lnSpc>
+                <a:spcPct val="100000"/>
+              </a:lnSpc>
+              <a:spcBef>
+                <a:spcPts val="0"/>
+              </a:spcBef>
+              <a:spcAft>
+                <a:spcPts val="0"/>
+              </a:spcAft>
+              <a:buClrTx/>
+              <a:buSzTx/>
+              <a:buFontTx/>
+              <a:buNone/>
+              <a:tabLst/>
+              <a:defRPr/>
+            </a:pPr>
+            <a:r>
+              <a:rPr lang="de-DE" dirty="0" smtClean="0"/>
+              <a:t>Testfallprotokoll auf Grundlage des Pflichtenhefts erstellt</a:t>
+            </a:r>
+          </a:p>
+          <a:p>
+            <a:endParaRPr lang="de-DE" dirty="0"/>
+          </a:p>
+        </p:txBody>
+      </p:sp>
+      <p:sp>
+        <p:nvSpPr>
+          <p:cNvPr id="4" name="Foliennummernplatzhalter 3"/>
+          <p:cNvSpPr>
+            <a:spLocks noGrp="1"/>
+          </p:cNvSpPr>
+          <p:nvPr>
+            <p:ph type="sldNum" sz="quarter" idx="10"/>
+          </p:nvPr>
+        </p:nvSpPr>
+        <p:spPr/>
+        <p:txBody>
+          <a:bodyPr/>
+          <a:lstStyle/>
+          <a:p>
+            <a:fld id="{8B3C513D-B928-40E6-962B-43A1627C0290}" type="slidenum">
+              <a:rPr lang="de-DE" smtClean="0"/>
+              <a:t>8</a:t>
+            </a:fld>
+            <a:endParaRPr lang="de-DE"/>
+          </a:p>
+        </p:txBody>
+      </p:sp>
+    </p:spTree>
+    <p:extLst>
+      <p:ext uri="{BB962C8B-B14F-4D97-AF65-F5344CB8AC3E}">
+        <p14:creationId xmlns:p14="http://schemas.microsoft.com/office/powerpoint/2010/main" val="1639346082"/>
+      </p:ext>
+    </p:extLst>
+  </p:cSld>
+  <p:clrMapOvr>
+    <a:masterClrMapping/>
+  </p:clrMapOvr>
+</p:notes>
+</file>
+
 <file path=ppt/slideLayouts/slideLayout1.xml><?xml version="1.0" encoding="utf-8"?>
 <p:sldLayout xmlns:a="http://schemas.openxmlformats.org/drawingml/2006/main" xmlns:r="http://schemas.openxmlformats.org/officeDocument/2006/relationships" xmlns:p="http://schemas.openxmlformats.org/presentationml/2006/main" showMasterSp="0" type="title" preserve="1">
   <p:cSld name="Titelfolie">
@@ -28001,31 +28311,6 @@
       </p:sp>
       <p:sp>
         <p:nvSpPr>
-          <p:cNvPr id="7" name="Inhaltsplatzhalter 6">
-            <a:extLst>
-              <a:ext uri="{FF2B5EF4-FFF2-40B4-BE49-F238E27FC236}">
-                <a16:creationId xmlns:a16="http://schemas.microsoft.com/office/drawing/2014/main" id="{130ADD61-C554-4536-9458-45D4DBB84850}"/>
-              </a:ext>
-            </a:extLst>
-          </p:cNvPr>
-          <p:cNvSpPr>
-            <a:spLocks noGrp="1"/>
-          </p:cNvSpPr>
-          <p:nvPr>
-            <p:ph sz="half" idx="2"/>
-          </p:nvPr>
-        </p:nvSpPr>
-        <p:spPr/>
-        <p:txBody>
-          <a:bodyPr/>
-          <a:lstStyle/>
-          <a:p>
-            <a:endParaRPr lang="de-DE" dirty="0"/>
-          </a:p>
-        </p:txBody>
-      </p:sp>
-      <p:sp>
-        <p:nvSpPr>
           <p:cNvPr id="3" name="Foliennummernplatzhalter 2"/>
           <p:cNvSpPr>
             <a:spLocks noGrp="1"/>
@@ -28161,7 +28446,7 @@
           <p:nvPr>
             <p:extLst>
               <p:ext uri="{D42A27DB-BD31-4B8C-83A1-F6EECF244321}">
-                <p14:modId xmlns:p14="http://schemas.microsoft.com/office/powerpoint/2010/main" val="2835001721"/>
+                <p14:modId xmlns:p14="http://schemas.microsoft.com/office/powerpoint/2010/main" val="865060683"/>
               </p:ext>
             </p:extLst>
           </p:nvPr>
@@ -28239,7 +28524,11 @@
                       </a:r>
                       <a:r>
                         <a:rPr lang="de-DE" dirty="0" smtClean="0"/>
-                        <a:t> Trunk</a:t>
+                        <a:t> </a:t>
+                      </a:r>
+                      <a:r>
+                        <a:rPr lang="de-DE" dirty="0" smtClean="0"/>
+                        <a:t>Trunk / Jahr</a:t>
                       </a:r>
                       <a:endParaRPr lang="de-DE" dirty="0"/>
                     </a:p>
@@ -28274,7 +28563,11 @@
                     <a:p>
                       <a:r>
                         <a:rPr lang="de-DE" dirty="0" smtClean="0"/>
-                        <a:t>32 Lizenzen</a:t>
+                        <a:t>32 </a:t>
+                      </a:r>
+                      <a:r>
+                        <a:rPr lang="de-DE" dirty="0" smtClean="0"/>
+                        <a:t>Lizenzen / Jahr</a:t>
                       </a:r>
                       <a:endParaRPr lang="de-DE" dirty="0"/>
                     </a:p>
@@ -28309,11 +28602,15 @@
                     <a:p>
                       <a:r>
                         <a:rPr lang="de-DE" dirty="0" smtClean="0"/>
-                        <a:t>Fremdleistungen (externer Berater, externe</a:t>
+                        <a:t>Fremdleistungen (</a:t>
+                      </a:r>
+                      <a:r>
+                        <a:rPr lang="de-DE" dirty="0" smtClean="0"/>
+                        <a:t>externe Berater/ Firmen</a:t>
                       </a:r>
                       <a:r>
                         <a:rPr lang="de-DE" baseline="0" dirty="0" smtClean="0"/>
-                        <a:t> Firmen)</a:t>
+                        <a:t>)</a:t>
                       </a:r>
                       <a:endParaRPr lang="de-DE" dirty="0"/>
                     </a:p>
@@ -28572,7 +28869,11 @@
           <a:p>
             <a:r>
               <a:rPr lang="de-DE" dirty="0" smtClean="0"/>
-              <a:t>Soll/ Ist Zeitvergleich</a:t>
+              <a:t>Soll / </a:t>
+            </a:r>
+            <a:r>
+              <a:rPr lang="de-DE" dirty="0" smtClean="0"/>
+              <a:t>Ist Zeitvergleich</a:t>
             </a:r>
             <a:endParaRPr lang="de-DE" dirty="0"/>
           </a:p>
@@ -29561,7 +29862,11 @@
           <a:p>
             <a:r>
               <a:rPr lang="de-DE" dirty="0" smtClean="0"/>
-              <a:t>Soll/ Ist Zeitvergleich Projektplanung</a:t>
+              <a:t>Soll / </a:t>
+            </a:r>
+            <a:r>
+              <a:rPr lang="de-DE" dirty="0" smtClean="0"/>
+              <a:t>Ist Zeitvergleich Projektplanung</a:t>
             </a:r>
             <a:endParaRPr lang="de-DE" dirty="0"/>
           </a:p>
@@ -29650,14 +29955,14 @@
             <p:ph sz="half" idx="1"/>
             <p:extLst>
               <p:ext uri="{D42A27DB-BD31-4B8C-83A1-F6EECF244321}">
-                <p14:modId xmlns:p14="http://schemas.microsoft.com/office/powerpoint/2010/main" val="3303485508"/>
+                <p14:modId xmlns:p14="http://schemas.microsoft.com/office/powerpoint/2010/main" val="2762936665"/>
               </p:ext>
             </p:extLst>
           </p:nvPr>
         </p:nvGraphicFramePr>
         <p:xfrm>
-          <a:off x="1801905" y="923247"/>
-          <a:ext cx="7027540" cy="5497415"/>
+          <a:off x="502417" y="944155"/>
+          <a:ext cx="10761784" cy="5454466"/>
         </p:xfrm>
         <a:graphic>
           <a:graphicData uri="http://schemas.openxmlformats.org/drawingml/2006/table">
@@ -29666,28 +29971,28 @@
                 <a:tableStyleId>{5C22544A-7EE6-4342-B048-85BDC9FD1C3A}</a:tableStyleId>
               </a:tblPr>
               <a:tblGrid>
-                <a:gridCol w="1863799">
+                <a:gridCol w="2854171">
                   <a:extLst>
                     <a:ext uri="{9D8B030D-6E8A-4147-A177-3AD203B41FA5}">
                       <a16:colId xmlns:a16="http://schemas.microsoft.com/office/drawing/2014/main" val="820776"/>
                     </a:ext>
                   </a:extLst>
                 </a:gridCol>
-                <a:gridCol w="1721247">
+                <a:gridCol w="2635871">
                   <a:extLst>
                     <a:ext uri="{9D8B030D-6E8A-4147-A177-3AD203B41FA5}">
                       <a16:colId xmlns:a16="http://schemas.microsoft.com/office/drawing/2014/main" val="1447324727"/>
                     </a:ext>
                   </a:extLst>
                 </a:gridCol>
-                <a:gridCol w="1721247">
+                <a:gridCol w="2635871">
                   <a:extLst>
                     <a:ext uri="{9D8B030D-6E8A-4147-A177-3AD203B41FA5}">
                       <a16:colId xmlns:a16="http://schemas.microsoft.com/office/drawing/2014/main" val="3937563686"/>
                     </a:ext>
                   </a:extLst>
                 </a:gridCol>
-                <a:gridCol w="1721247">
+                <a:gridCol w="2635871">
                   <a:extLst>
                     <a:ext uri="{9D8B030D-6E8A-4147-A177-3AD203B41FA5}">
                       <a16:colId xmlns:a16="http://schemas.microsoft.com/office/drawing/2014/main" val="2594269494"/>
@@ -29695,7 +30000,7 @@
                   </a:extLst>
                 </a:gridCol>
               </a:tblGrid>
-              <a:tr h="408761">
+              <a:tr h="419781">
                 <a:tc>
                   <a:txBody>
                     <a:bodyPr/>
@@ -29806,7 +30111,7 @@
                   </a:ext>
                 </a:extLst>
               </a:tr>
-              <a:tr h="466182">
+              <a:tr h="478750">
                 <a:tc>
                   <a:txBody>
                     <a:bodyPr/>
@@ -29890,7 +30195,7 @@
                   </a:ext>
                 </a:extLst>
               </a:tr>
-              <a:tr h="413661">
+              <a:tr h="424813">
                 <a:tc>
                   <a:txBody>
                     <a:bodyPr/>
@@ -29974,7 +30279,7 @@
                   </a:ext>
                 </a:extLst>
               </a:tr>
-              <a:tr h="466182">
+              <a:tr h="478750">
                 <a:tc>
                   <a:txBody>
                     <a:bodyPr/>
@@ -30065,7 +30370,7 @@
                   </a:ext>
                 </a:extLst>
               </a:tr>
-              <a:tr h="466182">
+              <a:tr h="478750">
                 <a:tc>
                   <a:txBody>
                     <a:bodyPr/>
@@ -30149,7 +30454,7 @@
                   </a:ext>
                 </a:extLst>
               </a:tr>
-              <a:tr h="466182">
+              <a:tr h="478750">
                 <a:tc>
                   <a:txBody>
                     <a:bodyPr/>
@@ -30240,7 +30545,7 @@
                   </a:ext>
                 </a:extLst>
               </a:tr>
-              <a:tr h="466182">
+              <a:tr h="478750">
                 <a:tc>
                   <a:txBody>
                     <a:bodyPr/>
@@ -30324,7 +30629,7 @@
                   </a:ext>
                 </a:extLst>
               </a:tr>
-              <a:tr h="466182">
+              <a:tr h="478750">
                 <a:tc>
                   <a:txBody>
                     <a:bodyPr/>
@@ -30408,7 +30713,7 @@
                   </a:ext>
                 </a:extLst>
               </a:tr>
-              <a:tr h="408761">
+              <a:tr h="419781">
                 <a:tc>
                   <a:txBody>
                     <a:bodyPr/>
@@ -30492,7 +30797,7 @@
                   </a:ext>
                 </a:extLst>
               </a:tr>
-              <a:tr h="816820">
+              <a:tr h="838841">
                 <a:tc>
                   <a:txBody>
                     <a:bodyPr/>
@@ -30617,7 +30922,7 @@
                   </a:ext>
                 </a:extLst>
               </a:tr>
-              <a:tr h="466182">
+              <a:tr h="478750">
                 <a:tc>
                   <a:txBody>
                     <a:bodyPr/>
@@ -30705,30 +31010,6 @@
           </a:graphicData>
         </a:graphic>
       </p:graphicFrame>
-      <p:sp>
-        <p:nvSpPr>
-          <p:cNvPr id="13" name="Inhaltsplatzhalter 12"/>
-          <p:cNvSpPr>
-            <a:spLocks noGrp="1"/>
-          </p:cNvSpPr>
-          <p:nvPr>
-            <p:ph sz="half" idx="2"/>
-          </p:nvPr>
-        </p:nvSpPr>
-        <p:spPr>
-          <a:xfrm>
-            <a:off x="8478164" y="2375262"/>
-            <a:ext cx="4937760" cy="4023360"/>
-          </a:xfrm>
-        </p:spPr>
-        <p:txBody>
-          <a:bodyPr/>
-          <a:lstStyle/>
-          <a:p>
-            <a:endParaRPr lang="de-DE" dirty="0"/>
-          </a:p>
-        </p:txBody>
-      </p:sp>
     </p:spTree>
     <p:extLst>
       <p:ext uri="{BB962C8B-B14F-4D97-AF65-F5344CB8AC3E}">
@@ -30813,116 +31094,18 @@
       </p:sp>
       <p:sp>
         <p:nvSpPr>
-          <p:cNvPr id="7" name="Inhaltsplatzhalter 6">
-            <a:extLst>
-              <a:ext uri="{FF2B5EF4-FFF2-40B4-BE49-F238E27FC236}">
-                <a16:creationId xmlns:a16="http://schemas.microsoft.com/office/drawing/2014/main" id="{130ADD61-C554-4536-9458-45D4DBB84850}"/>
-              </a:ext>
-            </a:extLst>
-          </p:cNvPr>
-          <p:cNvSpPr>
-            <a:spLocks noGrp="1"/>
-          </p:cNvSpPr>
-          <p:nvPr>
-            <p:ph sz="half" idx="2"/>
-          </p:nvPr>
-        </p:nvSpPr>
-        <p:spPr/>
-        <p:txBody>
-          <a:bodyPr/>
-          <a:lstStyle/>
-          <a:p>
-            <a:endParaRPr lang="de-DE" dirty="0"/>
-          </a:p>
-        </p:txBody>
-      </p:sp>
-      <p:sp>
-        <p:nvSpPr>
-          <p:cNvPr id="3" name="Foliennummernplatzhalter 2"/>
-          <p:cNvSpPr>
-            <a:spLocks noGrp="1"/>
-          </p:cNvSpPr>
-          <p:nvPr>
-            <p:ph type="sldNum" sz="quarter" idx="12"/>
-          </p:nvPr>
-        </p:nvSpPr>
-        <p:spPr>
-          <a:xfrm>
-            <a:off x="10795569" y="6442700"/>
-            <a:ext cx="1312025" cy="365125"/>
-          </a:xfrm>
-        </p:spPr>
-        <p:txBody>
-          <a:bodyPr/>
-          <a:lstStyle/>
-          <a:p>
-            <a:r>
-              <a:rPr lang="en-US" sz="2400" dirty="0" err="1"/>
-              <a:t>Seite</a:t>
-            </a:r>
-            <a:r>
-              <a:rPr lang="en-US" sz="2400" dirty="0"/>
-              <a:t> </a:t>
-            </a:r>
-            <a:fld id="{4FAB73BC-B049-4115-A692-8D63A059BFB8}" type="slidenum">
-              <a:rPr lang="en-US" sz="2400" smtClean="0"/>
-              <a:pPr/>
-              <a:t>4</a:t>
-            </a:fld>
-            <a:endParaRPr lang="en-US" sz="2400" dirty="0"/>
-          </a:p>
-        </p:txBody>
-      </p:sp>
-      <p:pic>
-        <p:nvPicPr>
-          <p:cNvPr id="4" name="Grafik 3">
-            <a:extLst>
-              <a:ext uri="{FF2B5EF4-FFF2-40B4-BE49-F238E27FC236}">
-                <a16:creationId xmlns:a16="http://schemas.microsoft.com/office/drawing/2014/main" id="{FF8BCB70-C1FC-4554-AD1E-D5C3CF4D958F}"/>
-              </a:ext>
-            </a:extLst>
-          </p:cNvPr>
-          <p:cNvPicPr>
-            <a:picLocks noChangeAspect="1"/>
-          </p:cNvPicPr>
-          <p:nvPr/>
-        </p:nvPicPr>
-        <p:blipFill>
-          <a:blip r:embed="rId7">
-            <a:extLst>
-              <a:ext uri="{28A0092B-C50C-407E-A947-70E740481C1C}">
-                <a14:useLocalDpi xmlns:a14="http://schemas.microsoft.com/office/drawing/2010/main" val="0"/>
-              </a:ext>
-            </a:extLst>
-          </a:blip>
-          <a:stretch>
-            <a:fillRect/>
-          </a:stretch>
-        </p:blipFill>
-        <p:spPr>
-          <a:xfrm>
-            <a:off x="9031151" y="59872"/>
-            <a:ext cx="2540000" cy="889000"/>
-          </a:xfrm>
-          <a:prstGeom prst="rect">
-            <a:avLst/>
-          </a:prstGeom>
-        </p:spPr>
-      </p:pic>
-      <p:sp>
-        <p:nvSpPr>
           <p:cNvPr id="6" name="Inhaltsplatzhalter 5"/>
           <p:cNvSpPr>
             <a:spLocks noGrp="1"/>
           </p:cNvSpPr>
           <p:nvPr>
-            <p:ph sz="half" idx="1"/>
+            <p:ph idx="1"/>
           </p:nvPr>
         </p:nvSpPr>
         <p:spPr>
           <a:xfrm>
-            <a:off x="1097280" y="1845735"/>
-            <a:ext cx="4937760" cy="4023359"/>
+            <a:off x="1097280" y="1845734"/>
+            <a:ext cx="10058400" cy="4023360"/>
           </a:xfrm>
         </p:spPr>
         <p:txBody>
@@ -31002,6 +31185,83 @@
           </a:p>
         </p:txBody>
       </p:sp>
+      <p:sp>
+        <p:nvSpPr>
+          <p:cNvPr id="3" name="Foliennummernplatzhalter 2"/>
+          <p:cNvSpPr>
+            <a:spLocks noGrp="1"/>
+          </p:cNvSpPr>
+          <p:nvPr>
+            <p:ph type="sldNum" sz="quarter" idx="12"/>
+          </p:nvPr>
+        </p:nvSpPr>
+        <p:spPr>
+          <a:xfrm>
+            <a:off x="10817144" y="6442700"/>
+            <a:ext cx="1312025" cy="365125"/>
+          </a:xfrm>
+        </p:spPr>
+        <p:txBody>
+          <a:bodyPr/>
+          <a:lstStyle/>
+          <a:p>
+            <a:r>
+              <a:rPr lang="en-US" sz="2400" dirty="0" smtClean="0"/>
+              <a:t>  </a:t>
+            </a:r>
+            <a:r>
+              <a:rPr lang="en-US" sz="2400" dirty="0" err="1" smtClean="0"/>
+              <a:t>Seite</a:t>
+            </a:r>
+            <a:r>
+              <a:rPr lang="en-US" sz="2400" dirty="0" smtClean="0"/>
+              <a:t> </a:t>
+            </a:r>
+            <a:fld id="{4FAB73BC-B049-4115-A692-8D63A059BFB8}" type="slidenum">
+              <a:rPr lang="en-US" sz="2400" smtClean="0"/>
+              <a:pPr/>
+              <a:t>4</a:t>
+            </a:fld>
+            <a:endParaRPr lang="en-US" sz="2400" dirty="0"/>
+          </a:p>
+        </p:txBody>
+      </p:sp>
+      <p:pic>
+        <p:nvPicPr>
+          <p:cNvPr id="4" name="Grafik 3">
+            <a:extLst>
+              <a:ext uri="{FF2B5EF4-FFF2-40B4-BE49-F238E27FC236}">
+                <a16:creationId xmlns:a16="http://schemas.microsoft.com/office/drawing/2014/main" id="{FF8BCB70-C1FC-4554-AD1E-D5C3CF4D958F}"/>
+              </a:ext>
+            </a:extLst>
+          </p:cNvPr>
+          <p:cNvPicPr>
+            <a:picLocks noChangeAspect="1"/>
+          </p:cNvPicPr>
+          <p:nvPr/>
+        </p:nvPicPr>
+        <p:blipFill>
+          <a:blip r:embed="rId7">
+            <a:extLst>
+              <a:ext uri="{28A0092B-C50C-407E-A947-70E740481C1C}">
+                <a14:useLocalDpi xmlns:a14="http://schemas.microsoft.com/office/drawing/2010/main" val="0"/>
+              </a:ext>
+            </a:extLst>
+          </a:blip>
+          <a:stretch>
+            <a:fillRect/>
+          </a:stretch>
+        </p:blipFill>
+        <p:spPr>
+          <a:xfrm>
+            <a:off x="9031151" y="59872"/>
+            <a:ext cx="2540000" cy="889000"/>
+          </a:xfrm>
+          <a:prstGeom prst="rect">
+            <a:avLst/>
+          </a:prstGeom>
+        </p:spPr>
+      </p:pic>
     </p:spTree>
     <p:extLst>
       <p:ext uri="{BB962C8B-B14F-4D97-AF65-F5344CB8AC3E}">
@@ -31051,7 +31311,7 @@
         </p:xfrm>
         <a:graphic>
           <a:graphicData uri="http://schemas.openxmlformats.org/drawingml/2006/diagram">
-            <dgm:relIds xmlns:dgm="http://schemas.openxmlformats.org/drawingml/2006/diagram" xmlns:r="http://schemas.openxmlformats.org/officeDocument/2006/relationships" r:dm="rId2" r:lo="rId3" r:qs="rId4" r:cs="rId5"/>
+            <dgm:relIds xmlns:dgm="http://schemas.openxmlformats.org/drawingml/2006/diagram" xmlns:r="http://schemas.openxmlformats.org/officeDocument/2006/relationships" r:dm="rId3" r:lo="rId4" r:qs="rId5" r:cs="rId6"/>
           </a:graphicData>
         </a:graphic>
       </p:graphicFrame>
@@ -31078,7 +31338,7 @@
           <a:p>
             <a:r>
               <a:rPr lang="de-DE" dirty="0" smtClean="0"/>
-              <a:t>Testergebnisse</a:t>
+              <a:t>Testergebnisse (Ausschnitt)</a:t>
             </a:r>
             <a:endParaRPr lang="de-DE" dirty="0"/>
           </a:p>
@@ -31094,13 +31354,13 @@
             <p:ph sz="half" idx="2"/>
             <p:extLst>
               <p:ext uri="{D42A27DB-BD31-4B8C-83A1-F6EECF244321}">
-                <p14:modId xmlns:p14="http://schemas.microsoft.com/office/powerpoint/2010/main" val="3635417099"/>
+                <p14:modId xmlns:p14="http://schemas.microsoft.com/office/powerpoint/2010/main" val="577407041"/>
               </p:ext>
             </p:extLst>
           </p:nvPr>
         </p:nvGraphicFramePr>
         <p:xfrm>
-          <a:off x="5652430" y="2448006"/>
+          <a:off x="2904750" y="1787840"/>
           <a:ext cx="6260580" cy="3529464"/>
         </p:xfrm>
         <a:graphic>
@@ -31198,11 +31458,7 @@
                     <a:p>
                       <a:r>
                         <a:rPr lang="de-DE" dirty="0" smtClean="0"/>
-                        <a:t>1. Interner</a:t>
-                      </a:r>
-                      <a:r>
-                        <a:rPr lang="de-DE" baseline="0" dirty="0" smtClean="0"/>
-                        <a:t> Anruf zwischen zwei Mobilen Devices</a:t>
+                        <a:t>3. Interner Anruf zwischen PC Client und Mobile Device</a:t>
                       </a:r>
                       <a:endParaRPr lang="de-DE" dirty="0"/>
                     </a:p>
@@ -31232,12 +31488,16 @@
                     <a:lstStyle/>
                     <a:p>
                       <a:r>
-                        <a:rPr lang="de-DE" dirty="0" smtClean="0"/>
-                        <a:t>2. Interner Anruf zwischen zwei</a:t>
-                      </a:r>
-                      <a:r>
-                        <a:rPr lang="de-DE" baseline="0" dirty="0" smtClean="0"/>
-                        <a:t> PC Clients</a:t>
+                        <a:rPr lang="de-DE" sz="1800" kern="1200" dirty="0" smtClean="0">
+                          <a:solidFill>
+                            <a:schemeClr val="dk1"/>
+                          </a:solidFill>
+                          <a:effectLst/>
+                          <a:latin typeface="+mn-lt"/>
+                          <a:ea typeface="+mn-ea"/>
+                          <a:cs typeface="+mn-cs"/>
+                        </a:rPr>
+                        <a:t>6. Erstellen einer Konferenz mit bis zu 10 Teilnehmern</a:t>
                       </a:r>
                       <a:endParaRPr lang="de-DE" dirty="0"/>
                     </a:p>
@@ -31268,7 +31528,7 @@
                     <a:p>
                       <a:r>
                         <a:rPr lang="de-DE" dirty="0" smtClean="0"/>
-                        <a:t>3. Interner Anruf zwischen PC Client und Mobile Device</a:t>
+                        <a:t>12. Gute Sprachqualität</a:t>
                       </a:r>
                       <a:endParaRPr lang="de-DE" dirty="0"/>
                     </a:p>
@@ -31280,7 +31540,23 @@
                     <a:bodyPr/>
                     <a:lstStyle/>
                     <a:p>
-                      <a:endParaRPr lang="de-DE" dirty="0"/>
+                      <a:r>
+                        <a:rPr lang="de-DE" dirty="0" smtClean="0"/>
+                        <a:t>          </a:t>
+                      </a:r>
+                      <a:r>
+                        <a:rPr lang="de-DE" sz="4400" dirty="0" smtClean="0"/>
+                        <a:t>( </a:t>
+                      </a:r>
+                      <a:r>
+                        <a:rPr lang="de-DE" sz="4400" baseline="0" dirty="0" smtClean="0"/>
+                        <a:t> </a:t>
+                      </a:r>
+                      <a:r>
+                        <a:rPr lang="de-DE" sz="4400" dirty="0" smtClean="0"/>
+                        <a:t>     )</a:t>
+                      </a:r>
+                      <a:endParaRPr lang="de-DE" sz="4400" dirty="0"/>
                     </a:p>
                   </a:txBody>
                   <a:tcPr/>
@@ -31347,7 +31623,7 @@
           <p:nvPr/>
         </p:nvPicPr>
         <p:blipFill>
-          <a:blip r:embed="rId7">
+          <a:blip r:embed="rId8">
             <a:extLst>
               <a:ext uri="{28A0092B-C50C-407E-A947-70E740481C1C}">
                 <a14:useLocalDpi xmlns:a14="http://schemas.microsoft.com/office/drawing/2010/main" val="0"/>
@@ -31388,20 +31664,8 @@
           <a:bodyPr/>
           <a:lstStyle/>
           <a:p>
-            <a:pPr>
-              <a:buFont typeface="Wingdings" panose="05000000000000000000" pitchFamily="2" charset="2"/>
-              <a:buChar char="Ø"/>
-            </a:pPr>
-            <a:r>
-              <a:rPr lang="de-DE" dirty="0" smtClean="0"/>
-              <a:t>Testfallkatalog auf Grundlage des Pflichtenhefts erstellt</a:t>
-            </a:r>
-            <a:endParaRPr lang="de-DE" dirty="0"/>
-          </a:p>
-          <a:p>
-            <a:pPr>
-              <a:buFont typeface="Wingdings" panose="05000000000000000000" pitchFamily="2" charset="2"/>
-              <a:buChar char="Ø"/>
+            <a:pPr marL="0" indent="0">
+              <a:buNone/>
             </a:pPr>
             <a:endParaRPr lang="de-DE" dirty="0" smtClean="0"/>
           </a:p>
@@ -31413,47 +31677,10 @@
             <a:endParaRPr lang="de-DE" dirty="0"/>
           </a:p>
           <a:p>
-            <a:pPr>
-              <a:buFont typeface="Wingdings" panose="05000000000000000000" pitchFamily="2" charset="2"/>
-              <a:buChar char="Ø"/>
+            <a:pPr marL="0" indent="0">
+              <a:buNone/>
             </a:pPr>
             <a:endParaRPr lang="de-DE" dirty="0" smtClean="0"/>
-          </a:p>
-          <a:p>
-            <a:pPr>
-              <a:buFont typeface="Wingdings" panose="05000000000000000000" pitchFamily="2" charset="2"/>
-              <a:buChar char="Ø"/>
-            </a:pPr>
-            <a:endParaRPr lang="de-DE" dirty="0"/>
-          </a:p>
-        </p:txBody>
-      </p:sp>
-      <p:sp>
-        <p:nvSpPr>
-          <p:cNvPr id="10" name="Rechteck 9"/>
-          <p:cNvSpPr/>
-          <p:nvPr/>
-        </p:nvSpPr>
-        <p:spPr>
-          <a:xfrm>
-            <a:off x="5652429" y="2056636"/>
-            <a:ext cx="3510898" cy="369332"/>
-          </a:xfrm>
-          <a:prstGeom prst="rect">
-            <a:avLst/>
-          </a:prstGeom>
-        </p:spPr>
-        <p:txBody>
-          <a:bodyPr wrap="none">
-            <a:spAutoFit/>
-          </a:bodyPr>
-          <a:lstStyle/>
-          <a:p>
-            <a:r>
-              <a:rPr lang="de-DE" dirty="0" smtClean="0"/>
-              <a:t>Ausschnitt aus dem Testfallkatalog</a:t>
-            </a:r>
-            <a:endParaRPr lang="de-DE" dirty="0"/>
           </a:p>
         </p:txBody>
       </p:sp>
@@ -31466,7 +31693,7 @@
           <p:nvPr/>
         </p:nvPicPr>
         <p:blipFill>
-          <a:blip r:embed="rId8">
+          <a:blip r:embed="rId9">
             <a:extLst>
               <a:ext uri="{28A0092B-C50C-407E-A947-70E740481C1C}">
                 <a14:useLocalDpi xmlns:a14="http://schemas.microsoft.com/office/drawing/2010/main" val="0"/>
@@ -31479,7 +31706,7 @@
         </p:blipFill>
         <p:spPr>
           <a:xfrm>
-            <a:off x="9772666" y="3409391"/>
+            <a:off x="6999117" y="2768827"/>
             <a:ext cx="817524" cy="803347"/>
           </a:xfrm>
           <a:prstGeom prst="rect">
@@ -31496,7 +31723,7 @@
           <p:nvPr/>
         </p:nvPicPr>
         <p:blipFill>
-          <a:blip r:embed="rId8">
+          <a:blip r:embed="rId9">
             <a:extLst>
               <a:ext uri="{28A0092B-C50C-407E-A947-70E740481C1C}">
                 <a14:useLocalDpi xmlns:a14="http://schemas.microsoft.com/office/drawing/2010/main" val="0"/>
@@ -31509,7 +31736,7 @@
         </p:blipFill>
         <p:spPr>
           <a:xfrm>
-            <a:off x="9737746" y="4283206"/>
+            <a:off x="6999117" y="3646316"/>
             <a:ext cx="817524" cy="803347"/>
           </a:xfrm>
           <a:prstGeom prst="rect">
@@ -31526,7 +31753,7 @@
           <p:nvPr/>
         </p:nvPicPr>
         <p:blipFill>
-          <a:blip r:embed="rId8">
+          <a:blip r:embed="rId9">
             <a:extLst>
               <a:ext uri="{28A0092B-C50C-407E-A947-70E740481C1C}">
                 <a14:useLocalDpi xmlns:a14="http://schemas.microsoft.com/office/drawing/2010/main" val="0"/>
@@ -31539,8 +31766,8 @@
         </p:blipFill>
         <p:spPr>
           <a:xfrm>
-            <a:off x="9737746" y="5196161"/>
-            <a:ext cx="817524" cy="803347"/>
+            <a:off x="6999117" y="4536090"/>
+            <a:ext cx="688859" cy="676913"/>
           </a:xfrm>
           <a:prstGeom prst="rect">
             <a:avLst/>
@@ -31596,7 +31823,7 @@
         </p:xfrm>
         <a:graphic>
           <a:graphicData uri="http://schemas.openxmlformats.org/drawingml/2006/diagram">
-            <dgm:relIds xmlns:dgm="http://schemas.openxmlformats.org/drawingml/2006/diagram" xmlns:r="http://schemas.openxmlformats.org/officeDocument/2006/relationships" r:dm="rId2" r:lo="rId3" r:qs="rId4" r:cs="rId5"/>
+            <dgm:relIds xmlns:dgm="http://schemas.openxmlformats.org/drawingml/2006/diagram" xmlns:r="http://schemas.openxmlformats.org/officeDocument/2006/relationships" r:dm="rId3" r:lo="rId4" r:qs="rId5" r:cs="rId6"/>
           </a:graphicData>
         </a:graphic>
       </p:graphicFrame>
@@ -31625,31 +31852,6 @@
               <a:rPr lang="de-DE" dirty="0" smtClean="0"/>
               <a:t>Anmerkungen zum Testfallkatalog</a:t>
             </a:r>
-            <a:endParaRPr lang="de-DE" dirty="0"/>
-          </a:p>
-        </p:txBody>
-      </p:sp>
-      <p:sp>
-        <p:nvSpPr>
-          <p:cNvPr id="7" name="Inhaltsplatzhalter 6">
-            <a:extLst>
-              <a:ext uri="{FF2B5EF4-FFF2-40B4-BE49-F238E27FC236}">
-                <a16:creationId xmlns:a16="http://schemas.microsoft.com/office/drawing/2014/main" id="{130ADD61-C554-4536-9458-45D4DBB84850}"/>
-              </a:ext>
-            </a:extLst>
-          </p:cNvPr>
-          <p:cNvSpPr>
-            <a:spLocks noGrp="1"/>
-          </p:cNvSpPr>
-          <p:nvPr>
-            <p:ph sz="half" idx="2"/>
-          </p:nvPr>
-        </p:nvSpPr>
-        <p:spPr/>
-        <p:txBody>
-          <a:bodyPr/>
-          <a:lstStyle/>
-          <a:p>
             <a:endParaRPr lang="de-DE" dirty="0"/>
           </a:p>
         </p:txBody>
@@ -31706,7 +31908,7 @@
           <p:nvPr/>
         </p:nvPicPr>
         <p:blipFill>
-          <a:blip r:embed="rId7">
+          <a:blip r:embed="rId8">
             <a:extLst>
               <a:ext uri="{28A0092B-C50C-407E-A947-70E740481C1C}">
                 <a14:useLocalDpi xmlns:a14="http://schemas.microsoft.com/office/drawing/2010/main" val="0"/>
@@ -31757,18 +31959,6 @@
               <a:buFont typeface="Wingdings" panose="05000000000000000000" pitchFamily="2" charset="2"/>
               <a:buChar char="Ø"/>
             </a:pPr>
-            <a:r>
-              <a:rPr lang="de-DE" dirty="0" smtClean="0"/>
-              <a:t>Absurd hoher Paketverlust (</a:t>
-            </a:r>
-            <a:r>
-              <a:rPr lang="de-DE" dirty="0" err="1" smtClean="0"/>
-              <a:t>Wireshark</a:t>
-            </a:r>
-            <a:r>
-              <a:rPr lang="de-DE" dirty="0" smtClean="0"/>
-              <a:t>)</a:t>
-            </a:r>
             <a:endParaRPr lang="de-DE" dirty="0"/>
           </a:p>
           <a:p>
@@ -31799,34 +31989,6 @@
             </a:pPr>
             <a:endParaRPr lang="de-DE" dirty="0" smtClean="0"/>
           </a:p>
-          <a:p>
-            <a:pPr>
-              <a:buFont typeface="Wingdings" panose="05000000000000000000" pitchFamily="2" charset="2"/>
-              <a:buChar char="Ø"/>
-            </a:pPr>
-            <a:r>
-              <a:rPr lang="de-DE" dirty="0" smtClean="0"/>
-              <a:t>Messfehler, da Sprachqualität OK</a:t>
-            </a:r>
-          </a:p>
-          <a:p>
-            <a:pPr>
-              <a:buFont typeface="Wingdings" panose="05000000000000000000" pitchFamily="2" charset="2"/>
-              <a:buChar char="Ø"/>
-            </a:pPr>
-            <a:endParaRPr lang="de-DE" dirty="0"/>
-          </a:p>
-          <a:p>
-            <a:pPr>
-              <a:buFont typeface="Wingdings" panose="05000000000000000000" pitchFamily="2" charset="2"/>
-              <a:buChar char="Ø"/>
-            </a:pPr>
-            <a:r>
-              <a:rPr lang="de-DE" dirty="0" smtClean="0"/>
-              <a:t>Keine Zeit für weiteres Nachforschen</a:t>
-            </a:r>
-            <a:endParaRPr lang="de-DE" dirty="0"/>
-          </a:p>
         </p:txBody>
       </p:sp>
       <p:pic>
@@ -31838,7 +32000,7 @@
           <p:nvPr/>
         </p:nvPicPr>
         <p:blipFill>
-          <a:blip r:embed="rId8">
+          <a:blip r:embed="rId9">
             <a:extLst>
               <a:ext uri="{28A0092B-C50C-407E-A947-70E740481C1C}">
                 <a14:useLocalDpi xmlns:a14="http://schemas.microsoft.com/office/drawing/2010/main" val="0"/>
@@ -31970,16 +32132,6 @@
           <a:p>
             <a:endParaRPr lang="de-DE" dirty="0" smtClean="0"/>
           </a:p>
-          <a:p>
-            <a:pPr marL="0" indent="0">
-              <a:buNone/>
-            </a:pPr>
-            <a:r>
-              <a:rPr lang="de-DE" dirty="0" smtClean="0"/>
-              <a:t>Ping Log vom Server</a:t>
-            </a:r>
-            <a:endParaRPr lang="de-DE" dirty="0"/>
-          </a:p>
         </p:txBody>
       </p:sp>
       <p:sp>
@@ -32055,68 +32207,6 @@
           </a:prstGeom>
         </p:spPr>
       </p:pic>
-      <p:sp>
-        <p:nvSpPr>
-          <p:cNvPr id="6" name="Inhaltsplatzhalter 5"/>
-          <p:cNvSpPr>
-            <a:spLocks noGrp="1"/>
-          </p:cNvSpPr>
-          <p:nvPr>
-            <p:ph sz="half" idx="1"/>
-          </p:nvPr>
-        </p:nvSpPr>
-        <p:spPr>
-          <a:xfrm>
-            <a:off x="1097280" y="1845735"/>
-            <a:ext cx="4937760" cy="4023359"/>
-          </a:xfrm>
-        </p:spPr>
-        <p:txBody>
-          <a:bodyPr/>
-          <a:lstStyle/>
-          <a:p>
-            <a:pPr marL="0" indent="0">
-              <a:buNone/>
-            </a:pPr>
-            <a:endParaRPr lang="de-DE" dirty="0" smtClean="0"/>
-          </a:p>
-          <a:p>
-            <a:pPr>
-              <a:buFont typeface="Wingdings" panose="05000000000000000000" pitchFamily="2" charset="2"/>
-              <a:buChar char="Ø"/>
-            </a:pPr>
-            <a:r>
-              <a:rPr lang="de-DE" dirty="0" smtClean="0"/>
-              <a:t>Absurd hoher Paketverlust (</a:t>
-            </a:r>
-            <a:r>
-              <a:rPr lang="de-DE" dirty="0" err="1" smtClean="0"/>
-              <a:t>Wireshark</a:t>
-            </a:r>
-            <a:r>
-              <a:rPr lang="de-DE" dirty="0" smtClean="0"/>
-              <a:t>)</a:t>
-            </a:r>
-            <a:endParaRPr lang="de-DE" dirty="0"/>
-          </a:p>
-          <a:p>
-            <a:pPr marL="0" indent="0">
-              <a:buNone/>
-            </a:pPr>
-            <a:endParaRPr lang="de-DE" dirty="0" smtClean="0"/>
-          </a:p>
-          <a:p>
-            <a:pPr marL="0" indent="0">
-              <a:buNone/>
-            </a:pPr>
-            <a:r>
-              <a:rPr lang="de-DE" dirty="0" smtClean="0"/>
-              <a:t>Ping Log zum Server</a:t>
-            </a:r>
-            <a:endParaRPr lang="de-DE" dirty="0"/>
-          </a:p>
-        </p:txBody>
-      </p:sp>
       <p:pic>
         <p:nvPicPr>
           <p:cNvPr id="8" name="Grafik 7"/>
@@ -32139,7 +32229,7 @@
         </p:blipFill>
         <p:spPr>
           <a:xfrm>
-            <a:off x="5664364" y="3868793"/>
+            <a:off x="5664364" y="3095046"/>
             <a:ext cx="6527636" cy="1524736"/>
           </a:xfrm>
           <a:prstGeom prst="rect">
@@ -32169,7 +32259,7 @@
         </p:blipFill>
         <p:spPr>
           <a:xfrm>
-            <a:off x="2292" y="3726534"/>
+            <a:off x="84406" y="2836221"/>
             <a:ext cx="5513678" cy="2047250"/>
           </a:xfrm>
           <a:prstGeom prst="rect">
@@ -32177,6 +32267,68 @@
           </a:prstGeom>
         </p:spPr>
       </p:pic>
+      <p:sp>
+        <p:nvSpPr>
+          <p:cNvPr id="9" name="Textfeld 8"/>
+          <p:cNvSpPr txBox="1"/>
+          <p:nvPr/>
+        </p:nvSpPr>
+        <p:spPr>
+          <a:xfrm>
+            <a:off x="7516091" y="4800737"/>
+            <a:ext cx="2341418" cy="369332"/>
+          </a:xfrm>
+          <a:prstGeom prst="rect">
+            <a:avLst/>
+          </a:prstGeom>
+          <a:noFill/>
+        </p:spPr>
+        <p:txBody>
+          <a:bodyPr wrap="square" rtlCol="0">
+            <a:spAutoFit/>
+          </a:bodyPr>
+          <a:lstStyle/>
+          <a:p>
+            <a:r>
+              <a:rPr lang="de-DE" dirty="0" smtClean="0"/>
+              <a:t>Ping Log vom Server</a:t>
+            </a:r>
+            <a:endParaRPr lang="de-DE" dirty="0"/>
+          </a:p>
+        </p:txBody>
+      </p:sp>
+      <p:sp>
+        <p:nvSpPr>
+          <p:cNvPr id="11" name="Textfeld 10"/>
+          <p:cNvSpPr txBox="1"/>
+          <p:nvPr/>
+        </p:nvSpPr>
+        <p:spPr>
+          <a:xfrm>
+            <a:off x="914400" y="4883471"/>
+            <a:ext cx="2213956" cy="646331"/>
+          </a:xfrm>
+          <a:prstGeom prst="rect">
+            <a:avLst/>
+          </a:prstGeom>
+          <a:noFill/>
+        </p:spPr>
+        <p:txBody>
+          <a:bodyPr wrap="square" rtlCol="0">
+            <a:spAutoFit/>
+          </a:bodyPr>
+          <a:lstStyle/>
+          <a:p>
+            <a:r>
+              <a:rPr lang="de-DE" dirty="0"/>
+              <a:t>Ping Log zum Server</a:t>
+            </a:r>
+          </a:p>
+          <a:p>
+            <a:endParaRPr lang="de-DE" dirty="0"/>
+          </a:p>
+        </p:txBody>
+      </p:sp>
     </p:spTree>
     <p:extLst>
       <p:ext uri="{BB962C8B-B14F-4D97-AF65-F5344CB8AC3E}">
@@ -32226,7 +32378,7 @@
         </p:xfrm>
         <a:graphic>
           <a:graphicData uri="http://schemas.openxmlformats.org/drawingml/2006/diagram">
-            <dgm:relIds xmlns:dgm="http://schemas.openxmlformats.org/drawingml/2006/diagram" xmlns:r="http://schemas.openxmlformats.org/officeDocument/2006/relationships" r:dm="rId2" r:lo="rId3" r:qs="rId4" r:cs="rId5"/>
+            <dgm:relIds xmlns:dgm="http://schemas.openxmlformats.org/drawingml/2006/diagram" xmlns:r="http://schemas.openxmlformats.org/officeDocument/2006/relationships" r:dm="rId3" r:lo="rId4" r:qs="rId5" r:cs="rId6"/>
           </a:graphicData>
         </a:graphic>
       </p:graphicFrame>
@@ -32246,14 +32398,19 @@
             <p:ph type="title"/>
           </p:nvPr>
         </p:nvSpPr>
-        <p:spPr/>
+        <p:spPr>
+          <a:xfrm>
+            <a:off x="415636" y="286603"/>
+            <a:ext cx="10740044" cy="1450757"/>
+          </a:xfrm>
+        </p:spPr>
         <p:txBody>
           <a:bodyPr/>
           <a:lstStyle/>
           <a:p>
             <a:r>
               <a:rPr lang="de-DE" dirty="0" smtClean="0"/>
-              <a:t>Übergabe</a:t>
+              <a:t>Übergabe (Auszug aus dem Testfallprotokoll)</a:t>
             </a:r>
             <a:endParaRPr lang="de-DE" dirty="0"/>
           </a:p>
@@ -32277,12 +32434,14 @@
         </p:nvSpPr>
         <p:spPr>
           <a:xfrm>
-            <a:off x="4028440" y="1964091"/>
+            <a:off x="2222038" y="3516120"/>
             <a:ext cx="7127240" cy="3905004"/>
           </a:xfrm>
         </p:spPr>
         <p:txBody>
-          <a:bodyPr/>
+          <a:bodyPr>
+            <a:normAutofit/>
+          </a:bodyPr>
           <a:lstStyle/>
           <a:p>
             <a:endParaRPr lang="de-DE" dirty="0" smtClean="0"/>
@@ -32296,10 +32455,8 @@
           <a:p>
             <a:r>
               <a:rPr lang="de-DE" dirty="0" smtClean="0"/>
-              <a:t>          Testfall 3: Interner Anruf zwischen zwei mobilen Endgeräten</a:t>
+              <a:t>          </a:t>
             </a:r>
-          </a:p>
-          <a:p>
             <a:endParaRPr lang="de-DE" dirty="0"/>
           </a:p>
         </p:txBody>
@@ -32356,7 +32513,7 @@
           <p:nvPr/>
         </p:nvPicPr>
         <p:blipFill>
-          <a:blip r:embed="rId7">
+          <a:blip r:embed="rId8">
             <a:extLst>
               <a:ext uri="{28A0092B-C50C-407E-A947-70E740481C1C}">
                 <a14:useLocalDpi xmlns:a14="http://schemas.microsoft.com/office/drawing/2010/main" val="0"/>
@@ -32389,28 +32546,66 @@
         </p:nvSpPr>
         <p:spPr>
           <a:xfrm>
-            <a:off x="1097280" y="1845735"/>
-            <a:ext cx="4937760" cy="4023359"/>
+            <a:off x="1097279" y="1845735"/>
+            <a:ext cx="5829993" cy="4444229"/>
           </a:xfrm>
         </p:spPr>
         <p:txBody>
-          <a:bodyPr/>
+          <a:bodyPr>
+            <a:normAutofit/>
+          </a:bodyPr>
           <a:lstStyle/>
           <a:p>
             <a:pPr>
               <a:buFont typeface="Wingdings" panose="05000000000000000000" pitchFamily="2" charset="2"/>
               <a:buChar char="Ø"/>
             </a:pPr>
-            <a:r>
-              <a:rPr lang="de-DE" dirty="0" smtClean="0"/>
-              <a:t>Testfallprotokoll auf Grundlage des Pflichtenhefts erstellt</a:t>
-            </a:r>
+            <a:endParaRPr lang="de-DE" dirty="0" smtClean="0"/>
+          </a:p>
+          <a:p>
+            <a:pPr>
+              <a:buFont typeface="Wingdings" panose="05000000000000000000" pitchFamily="2" charset="2"/>
+              <a:buChar char="Ø"/>
+            </a:pPr>
             <a:endParaRPr lang="de-DE" dirty="0"/>
           </a:p>
           <a:p>
             <a:pPr>
               <a:buFont typeface="Wingdings" panose="05000000000000000000" pitchFamily="2" charset="2"/>
               <a:buChar char="Ø"/>
+            </a:pPr>
+            <a:endParaRPr lang="de-DE" dirty="0" smtClean="0"/>
+          </a:p>
+          <a:p>
+            <a:pPr>
+              <a:buFont typeface="Wingdings" panose="05000000000000000000" pitchFamily="2" charset="2"/>
+              <a:buChar char="Ø"/>
+            </a:pPr>
+            <a:endParaRPr lang="de-DE" dirty="0"/>
+          </a:p>
+          <a:p>
+            <a:pPr>
+              <a:buFont typeface="Wingdings" panose="05000000000000000000" pitchFamily="2" charset="2"/>
+              <a:buChar char="Ø"/>
+            </a:pPr>
+            <a:endParaRPr lang="de-DE" dirty="0" smtClean="0"/>
+          </a:p>
+          <a:p>
+            <a:pPr>
+              <a:buFont typeface="Wingdings" panose="05000000000000000000" pitchFamily="2" charset="2"/>
+              <a:buChar char="Ø"/>
+            </a:pPr>
+            <a:endParaRPr lang="de-DE" dirty="0"/>
+          </a:p>
+          <a:p>
+            <a:pPr marL="0" indent="0">
+              <a:buNone/>
+            </a:pPr>
+            <a:endParaRPr lang="de-DE" dirty="0"/>
+          </a:p>
+          <a:p>
+            <a:pPr marL="0" indent="0">
+              <a:buNone/>
             </a:pPr>
             <a:endParaRPr lang="de-DE" dirty="0" smtClean="0"/>
           </a:p>
@@ -32463,14 +32658,14 @@
           <p:nvPr>
             <p:extLst>
               <p:ext uri="{D42A27DB-BD31-4B8C-83A1-F6EECF244321}">
-                <p14:modId xmlns:p14="http://schemas.microsoft.com/office/powerpoint/2010/main" val="2059593518"/>
+                <p14:modId xmlns:p14="http://schemas.microsoft.com/office/powerpoint/2010/main" val="1242518558"/>
               </p:ext>
             </p:extLst>
           </p:nvPr>
         </p:nvGraphicFramePr>
         <p:xfrm>
-          <a:off x="4028440" y="3756420"/>
-          <a:ext cx="8128000" cy="2377440"/>
+          <a:off x="1275791" y="1845734"/>
+          <a:ext cx="8602500" cy="2670847"/>
         </p:xfrm>
         <a:graphic>
           <a:graphicData uri="http://schemas.openxmlformats.org/drawingml/2006/table">
@@ -32479,28 +32674,28 @@
                 <a:tableStyleId>{5C22544A-7EE6-4342-B048-85BDC9FD1C3A}</a:tableStyleId>
               </a:tblPr>
               <a:tblGrid>
-                <a:gridCol w="2032000">
+                <a:gridCol w="2150625">
                   <a:extLst>
                     <a:ext uri="{9D8B030D-6E8A-4147-A177-3AD203B41FA5}">
                       <a16:colId xmlns:a16="http://schemas.microsoft.com/office/drawing/2014/main" val="3789278572"/>
                     </a:ext>
                   </a:extLst>
                 </a:gridCol>
-                <a:gridCol w="2032000">
+                <a:gridCol w="2150625">
                   <a:extLst>
                     <a:ext uri="{9D8B030D-6E8A-4147-A177-3AD203B41FA5}">
                       <a16:colId xmlns:a16="http://schemas.microsoft.com/office/drawing/2014/main" val="3207518980"/>
                     </a:ext>
                   </a:extLst>
                 </a:gridCol>
-                <a:gridCol w="2032000">
+                <a:gridCol w="2150625">
                   <a:extLst>
                     <a:ext uri="{9D8B030D-6E8A-4147-A177-3AD203B41FA5}">
                       <a16:colId xmlns:a16="http://schemas.microsoft.com/office/drawing/2014/main" val="2724872243"/>
                     </a:ext>
                   </a:extLst>
                 </a:gridCol>
-                <a:gridCol w="2032000">
+                <a:gridCol w="2150625">
                   <a:extLst>
                     <a:ext uri="{9D8B030D-6E8A-4147-A177-3AD203B41FA5}">
                       <a16:colId xmlns:a16="http://schemas.microsoft.com/office/drawing/2014/main" val="2822945279"/>
@@ -32508,7 +32703,7 @@
                   </a:extLst>
                 </a:gridCol>
               </a:tblGrid>
-              <a:tr h="370840">
+              <a:tr h="719074">
                 <a:tc>
                   <a:txBody>
                     <a:bodyPr/>
@@ -32571,7 +32766,7 @@
                   </a:ext>
                 </a:extLst>
               </a:tr>
-              <a:tr h="370840">
+              <a:tr h="1951773">
                 <a:tc>
                   <a:txBody>
                     <a:bodyPr/>
@@ -32642,6 +32837,38 @@
           </a:graphicData>
         </a:graphic>
       </p:graphicFrame>
+      <p:sp>
+        <p:nvSpPr>
+          <p:cNvPr id="9" name="Textfeld 8"/>
+          <p:cNvSpPr txBox="1"/>
+          <p:nvPr/>
+        </p:nvSpPr>
+        <p:spPr>
+          <a:xfrm>
+            <a:off x="2160776" y="4499125"/>
+            <a:ext cx="8994904" cy="646331"/>
+          </a:xfrm>
+          <a:prstGeom prst="rect">
+            <a:avLst/>
+          </a:prstGeom>
+          <a:noFill/>
+        </p:spPr>
+        <p:txBody>
+          <a:bodyPr wrap="square" rtlCol="0">
+            <a:spAutoFit/>
+          </a:bodyPr>
+          <a:lstStyle/>
+          <a:p>
+            <a:r>
+              <a:rPr lang="de-DE" dirty="0"/>
+              <a:t>Testfall 3: Interner Anruf zwischen zwei mobilen Endgeräten</a:t>
+            </a:r>
+          </a:p>
+          <a:p>
+            <a:endParaRPr lang="de-DE" dirty="0"/>
+          </a:p>
+        </p:txBody>
+      </p:sp>
     </p:spTree>
     <p:extLst>
       <p:ext uri="{BB962C8B-B14F-4D97-AF65-F5344CB8AC3E}">
@@ -32720,31 +32947,6 @@
               <a:rPr lang="de-DE" dirty="0" smtClean="0"/>
               <a:t>Fazit</a:t>
             </a:r>
-            <a:endParaRPr lang="de-DE" dirty="0"/>
-          </a:p>
-        </p:txBody>
-      </p:sp>
-      <p:sp>
-        <p:nvSpPr>
-          <p:cNvPr id="7" name="Inhaltsplatzhalter 6">
-            <a:extLst>
-              <a:ext uri="{FF2B5EF4-FFF2-40B4-BE49-F238E27FC236}">
-                <a16:creationId xmlns:a16="http://schemas.microsoft.com/office/drawing/2014/main" id="{130ADD61-C554-4536-9458-45D4DBB84850}"/>
-              </a:ext>
-            </a:extLst>
-          </p:cNvPr>
-          <p:cNvSpPr>
-            <a:spLocks noGrp="1"/>
-          </p:cNvSpPr>
-          <p:nvPr>
-            <p:ph sz="half" idx="2"/>
-          </p:nvPr>
-        </p:nvSpPr>
-        <p:spPr/>
-        <p:txBody>
-          <a:bodyPr/>
-          <a:lstStyle/>
-          <a:p>
             <a:endParaRPr lang="de-DE" dirty="0"/>
           </a:p>
         </p:txBody>
